--- a/01 intro/Intro to R.pptx
+++ b/01 intro/Intro to R.pptx
@@ -205,7 +205,7 @@
           <a:p>
             <a:fld id="{812D0657-A742-485F-BDE1-BEB6EB503CC3}" type="datetimeFigureOut">
               <a:rPr lang="en-US" smtClean="0"/>
-              <a:t>10-Sep-19</a:t>
+              <a:t>11-Sep-19</a:t>
             </a:fld>
             <a:endParaRPr lang="en-US"/>
           </a:p>
@@ -880,7 +880,7 @@
           <a:p>
             <a:fld id="{724D7E03-B28D-4556-8755-90890B69E9FD}" type="datetimeFigureOut">
               <a:rPr lang="en-US" smtClean="0"/>
-              <a:t>10-Sep-19</a:t>
+              <a:t>11-Sep-19</a:t>
             </a:fld>
             <a:endParaRPr lang="en-US"/>
           </a:p>
@@ -1078,7 +1078,7 @@
           <a:p>
             <a:fld id="{724D7E03-B28D-4556-8755-90890B69E9FD}" type="datetimeFigureOut">
               <a:rPr lang="en-US" smtClean="0"/>
-              <a:t>10-Sep-19</a:t>
+              <a:t>11-Sep-19</a:t>
             </a:fld>
             <a:endParaRPr lang="en-US"/>
           </a:p>
@@ -1286,7 +1286,7 @@
           <a:p>
             <a:fld id="{724D7E03-B28D-4556-8755-90890B69E9FD}" type="datetimeFigureOut">
               <a:rPr lang="en-US" smtClean="0"/>
-              <a:t>10-Sep-19</a:t>
+              <a:t>11-Sep-19</a:t>
             </a:fld>
             <a:endParaRPr lang="en-US"/>
           </a:p>
@@ -1484,7 +1484,7 @@
           <a:p>
             <a:fld id="{724D7E03-B28D-4556-8755-90890B69E9FD}" type="datetimeFigureOut">
               <a:rPr lang="en-US" smtClean="0"/>
-              <a:t>10-Sep-19</a:t>
+              <a:t>11-Sep-19</a:t>
             </a:fld>
             <a:endParaRPr lang="en-US"/>
           </a:p>
@@ -1759,7 +1759,7 @@
           <a:p>
             <a:fld id="{724D7E03-B28D-4556-8755-90890B69E9FD}" type="datetimeFigureOut">
               <a:rPr lang="en-US" smtClean="0"/>
-              <a:t>10-Sep-19</a:t>
+              <a:t>11-Sep-19</a:t>
             </a:fld>
             <a:endParaRPr lang="en-US"/>
           </a:p>
@@ -2024,7 +2024,7 @@
           <a:p>
             <a:fld id="{724D7E03-B28D-4556-8755-90890B69E9FD}" type="datetimeFigureOut">
               <a:rPr lang="en-US" smtClean="0"/>
-              <a:t>10-Sep-19</a:t>
+              <a:t>11-Sep-19</a:t>
             </a:fld>
             <a:endParaRPr lang="en-US"/>
           </a:p>
@@ -2436,7 +2436,7 @@
           <a:p>
             <a:fld id="{724D7E03-B28D-4556-8755-90890B69E9FD}" type="datetimeFigureOut">
               <a:rPr lang="en-US" smtClean="0"/>
-              <a:t>10-Sep-19</a:t>
+              <a:t>11-Sep-19</a:t>
             </a:fld>
             <a:endParaRPr lang="en-US"/>
           </a:p>
@@ -2577,7 +2577,7 @@
           <a:p>
             <a:fld id="{724D7E03-B28D-4556-8755-90890B69E9FD}" type="datetimeFigureOut">
               <a:rPr lang="en-US" smtClean="0"/>
-              <a:t>10-Sep-19</a:t>
+              <a:t>11-Sep-19</a:t>
             </a:fld>
             <a:endParaRPr lang="en-US"/>
           </a:p>
@@ -2690,7 +2690,7 @@
           <a:p>
             <a:fld id="{724D7E03-B28D-4556-8755-90890B69E9FD}" type="datetimeFigureOut">
               <a:rPr lang="en-US" smtClean="0"/>
-              <a:t>10-Sep-19</a:t>
+              <a:t>11-Sep-19</a:t>
             </a:fld>
             <a:endParaRPr lang="en-US"/>
           </a:p>
@@ -3001,7 +3001,7 @@
           <a:p>
             <a:fld id="{724D7E03-B28D-4556-8755-90890B69E9FD}" type="datetimeFigureOut">
               <a:rPr lang="en-US" smtClean="0"/>
-              <a:t>10-Sep-19</a:t>
+              <a:t>11-Sep-19</a:t>
             </a:fld>
             <a:endParaRPr lang="en-US"/>
           </a:p>
@@ -3289,7 +3289,7 @@
           <a:p>
             <a:fld id="{724D7E03-B28D-4556-8755-90890B69E9FD}" type="datetimeFigureOut">
               <a:rPr lang="en-US" smtClean="0"/>
-              <a:t>10-Sep-19</a:t>
+              <a:t>11-Sep-19</a:t>
             </a:fld>
             <a:endParaRPr lang="en-US"/>
           </a:p>
@@ -3530,7 +3530,7 @@
           <a:p>
             <a:fld id="{724D7E03-B28D-4556-8755-90890B69E9FD}" type="datetimeFigureOut">
               <a:rPr lang="en-US" smtClean="0"/>
-              <a:t>10-Sep-19</a:t>
+              <a:t>11-Sep-19</a:t>
             </a:fld>
             <a:endParaRPr lang="en-US"/>
           </a:p>
@@ -4026,7 +4026,7 @@
         </p:nvSpPr>
         <p:spPr>
           <a:xfrm>
-            <a:off x="2013286" y="3602039"/>
+            <a:off x="2013285" y="3602039"/>
             <a:ext cx="8165430" cy="1655762"/>
           </a:xfrm>
           <a:prstGeom prst="rect">
@@ -4203,7 +4203,10 @@
           </a:lstStyle>
           <a:p>
             <a:pPr rtl="1"/>
-            <a:endParaRPr lang="en-US" dirty="0"/>
+            <a:r>
+              <a:rPr lang="en-US" dirty="0"/>
+              <a:t>Practical Applications in R</a:t>
+            </a:r>
           </a:p>
         </p:txBody>
       </p:sp>
@@ -5597,7 +5600,7 @@
         </p:blipFill>
         <p:spPr bwMode="auto">
           <a:xfrm>
-            <a:off x="3336968" y="1456053"/>
+            <a:off x="8091724" y="4360034"/>
             <a:ext cx="3974731" cy="2227164"/>
           </a:xfrm>
           <a:prstGeom prst="rect">
@@ -5630,20 +5633,20 @@
           <p:nvPr>
             <p:extLst>
               <p:ext uri="{D42A27DB-BD31-4B8C-83A1-F6EECF244321}">
-                <p14:modId xmlns:p14="http://schemas.microsoft.com/office/powerpoint/2010/main" val="3673736512"/>
+                <p14:modId xmlns:p14="http://schemas.microsoft.com/office/powerpoint/2010/main" val="633949897"/>
               </p:ext>
             </p:extLst>
           </p:nvPr>
         </p:nvGraphicFramePr>
         <p:xfrm>
-          <a:off x="7688057" y="1337130"/>
-          <a:ext cx="4503943" cy="2749466"/>
+          <a:off x="463550" y="1524000"/>
+          <a:ext cx="4505325" cy="2749550"/>
         </p:xfrm>
         <a:graphic>
           <a:graphicData uri="http://schemas.openxmlformats.org/presentationml/2006/ole">
             <mc:AlternateContent xmlns:mc="http://schemas.openxmlformats.org/markup-compatibility/2006">
               <mc:Choice xmlns:v="urn:schemas-microsoft-com:vml" Requires="v">
-                <p:oleObj spid="_x0000_s2081" name="Acrobat Document" r:id="rId9" imgW="7286244" imgH="4447895" progId="AcroExch.Document.DC">
+                <p:oleObj spid="_x0000_s2086" name="Acrobat Document" r:id="rId9" imgW="7286244" imgH="4447895" progId="AcroExch.Document.DC">
                   <p:embed/>
                 </p:oleObj>
               </mc:Choice>
@@ -5664,8 +5667,8 @@
                     </p:blipFill>
                     <p:spPr>
                       <a:xfrm>
-                        <a:off x="7688057" y="1337130"/>
-                        <a:ext cx="4503943" cy="2749466"/>
+                        <a:off x="463550" y="1524000"/>
+                        <a:ext cx="4505325" cy="2749550"/>
                       </a:xfrm>
                       <a:prstGeom prst="rect">
                         <a:avLst/>
@@ -5707,55 +5710,8 @@
         </p:blipFill>
         <p:spPr bwMode="auto">
           <a:xfrm>
-            <a:off x="0" y="1397149"/>
-            <a:ext cx="3067665" cy="2629427"/>
-          </a:xfrm>
-          <a:prstGeom prst="rect">
-            <a:avLst/>
-          </a:prstGeom>
-          <a:noFill/>
-          <a:extLst>
-            <a:ext uri="{909E8E84-426E-40DD-AFC4-6F175D3DCCD1}">
-              <a14:hiddenFill xmlns:a14="http://schemas.microsoft.com/office/drawing/2010/main">
-                <a:solidFill>
-                  <a:srgbClr val="FFFFFF"/>
-                </a:solidFill>
-              </a14:hiddenFill>
-            </a:ext>
-          </a:extLst>
-        </p:spPr>
-      </p:pic>
-      <p:pic>
-        <p:nvPicPr>
-          <p:cNvPr id="2062" name="Picture 14">
-            <a:extLst>
-              <a:ext uri="{FF2B5EF4-FFF2-40B4-BE49-F238E27FC236}">
-                <a16:creationId xmlns:a16="http://schemas.microsoft.com/office/drawing/2014/main" id="{635EEB26-BAB6-450F-AD22-6A8FF295882A}"/>
-              </a:ext>
-            </a:extLst>
-          </p:cNvPr>
-          <p:cNvPicPr>
-            <a:picLocks noChangeAspect="1" noChangeArrowheads="1"/>
-          </p:cNvPicPr>
-          <p:nvPr/>
-        </p:nvPicPr>
-        <p:blipFill>
-          <a:blip r:embed="rId12">
-            <a:extLst>
-              <a:ext uri="{28A0092B-C50C-407E-A947-70E740481C1C}">
-                <a14:useLocalDpi xmlns:a14="http://schemas.microsoft.com/office/drawing/2010/main" val="0"/>
-              </a:ext>
-            </a:extLst>
-          </a:blip>
-          <a:srcRect/>
-          <a:stretch>
-            <a:fillRect/>
-          </a:stretch>
-        </p:blipFill>
-        <p:spPr bwMode="auto">
-          <a:xfrm>
-            <a:off x="9179379" y="4683125"/>
-            <a:ext cx="2533650" cy="1809750"/>
+            <a:off x="5283037" y="295004"/>
+            <a:ext cx="2671119" cy="2289530"/>
           </a:xfrm>
           <a:prstGeom prst="rect">
             <a:avLst/>
@@ -5787,7 +5743,7 @@
           <p:nvPr/>
         </p:nvPicPr>
         <p:blipFill>
-          <a:blip r:embed="rId13">
+          <a:blip r:embed="rId12">
             <a:extLst>
               <a:ext uri="{28A0092B-C50C-407E-A947-70E740481C1C}">
                 <a14:useLocalDpi xmlns:a14="http://schemas.microsoft.com/office/drawing/2010/main" val="0"/>
@@ -5801,7 +5757,7 @@
         </p:blipFill>
         <p:spPr bwMode="auto">
           <a:xfrm>
-            <a:off x="6299728" y="4092575"/>
+            <a:off x="5691424" y="4273466"/>
             <a:ext cx="2400300" cy="2400300"/>
           </a:xfrm>
           <a:prstGeom prst="rect">
@@ -5817,6 +5773,160 @@
               </a14:hiddenFill>
             </a:ext>
           </a:extLst>
+        </p:spPr>
+      </p:pic>
+      <p:grpSp>
+        <p:nvGrpSpPr>
+          <p:cNvPr id="6" name="Group 5">
+            <a:extLst>
+              <a:ext uri="{FF2B5EF4-FFF2-40B4-BE49-F238E27FC236}">
+                <a16:creationId xmlns:a16="http://schemas.microsoft.com/office/drawing/2014/main" id="{026D7CA4-9061-407C-951E-83A782AE67D5}"/>
+              </a:ext>
+            </a:extLst>
+          </p:cNvPr>
+          <p:cNvGrpSpPr/>
+          <p:nvPr/>
+        </p:nvGrpSpPr>
+        <p:grpSpPr>
+          <a:xfrm>
+            <a:off x="8268995" y="241029"/>
+            <a:ext cx="3661242" cy="3914602"/>
+            <a:chOff x="8268995" y="241029"/>
+            <a:chExt cx="3661242" cy="3914602"/>
+          </a:xfrm>
+        </p:grpSpPr>
+        <p:pic>
+          <p:nvPicPr>
+            <p:cNvPr id="4" name="Picture 3">
+              <a:extLst>
+                <a:ext uri="{FF2B5EF4-FFF2-40B4-BE49-F238E27FC236}">
+                  <a16:creationId xmlns:a16="http://schemas.microsoft.com/office/drawing/2014/main" id="{340FB796-CC5A-487E-A82E-E40827E07F0E}"/>
+                </a:ext>
+              </a:extLst>
+            </p:cNvPr>
+            <p:cNvPicPr>
+              <a:picLocks noChangeAspect="1"/>
+            </p:cNvPicPr>
+            <p:nvPr/>
+          </p:nvPicPr>
+          <p:blipFill>
+            <a:blip r:embed="rId13"/>
+            <a:stretch>
+              <a:fillRect/>
+            </a:stretch>
+          </p:blipFill>
+          <p:spPr>
+            <a:xfrm>
+              <a:off x="8268995" y="241029"/>
+              <a:ext cx="3661242" cy="3667396"/>
+            </a:xfrm>
+            <a:prstGeom prst="rect">
+              <a:avLst/>
+            </a:prstGeom>
+          </p:spPr>
+        </p:pic>
+        <p:sp>
+          <p:nvSpPr>
+            <p:cNvPr id="5" name="TextBox 4">
+              <a:extLst>
+                <a:ext uri="{FF2B5EF4-FFF2-40B4-BE49-F238E27FC236}">
+                  <a16:creationId xmlns:a16="http://schemas.microsoft.com/office/drawing/2014/main" id="{F63AC0A1-7C7F-4536-853C-D84028751E6D}"/>
+                </a:ext>
+              </a:extLst>
+            </p:cNvPr>
+            <p:cNvSpPr txBox="1"/>
+            <p:nvPr/>
+          </p:nvSpPr>
+          <p:spPr>
+            <a:xfrm>
+              <a:off x="8867058" y="3909410"/>
+              <a:ext cx="2424062" cy="246221"/>
+            </a:xfrm>
+            <a:prstGeom prst="rect">
+              <a:avLst/>
+            </a:prstGeom>
+            <a:noFill/>
+          </p:spPr>
+          <p:txBody>
+            <a:bodyPr wrap="none" rtlCol="0">
+              <a:spAutoFit/>
+            </a:bodyPr>
+            <a:lstStyle/>
+            <a:p>
+              <a:r>
+                <a:rPr lang="en-US" sz="1000" dirty="0">
+                  <a:hlinkClick r:id="rId14"/>
+                </a:rPr>
+                <a:t>https://www.instagram.com/thomasp85_/</a:t>
+              </a:r>
+              <a:endParaRPr lang="en-US" sz="1000" dirty="0"/>
+            </a:p>
+          </p:txBody>
+        </p:sp>
+      </p:grpSp>
+      <p:pic>
+        <p:nvPicPr>
+          <p:cNvPr id="7" name="Picture 6">
+            <a:extLst>
+              <a:ext uri="{FF2B5EF4-FFF2-40B4-BE49-F238E27FC236}">
+                <a16:creationId xmlns:a16="http://schemas.microsoft.com/office/drawing/2014/main" id="{648D5012-106D-4F3B-BA0A-6F006E6E01DD}"/>
+              </a:ext>
+            </a:extLst>
+          </p:cNvPr>
+          <p:cNvPicPr>
+            <a:picLocks noChangeAspect="1"/>
+          </p:cNvPicPr>
+          <p:nvPr/>
+        </p:nvPicPr>
+        <p:blipFill rotWithShape="1">
+          <a:blip r:embed="rId15"/>
+          <a:srcRect l="32392" t="52239" r="33812" b="13280"/>
+          <a:stretch/>
+        </p:blipFill>
+        <p:spPr>
+          <a:xfrm>
+            <a:off x="5490434" y="2654655"/>
+            <a:ext cx="2463722" cy="1860590"/>
+          </a:xfrm>
+          <a:prstGeom prst="rect">
+            <a:avLst/>
+          </a:prstGeom>
+        </p:spPr>
+      </p:pic>
+      <p:pic>
+        <p:nvPicPr>
+          <p:cNvPr id="13" name="Content Placeholder 4" descr="A screenshot of a cell phone&#10;&#10;Description automatically generated">
+            <a:extLst>
+              <a:ext uri="{FF2B5EF4-FFF2-40B4-BE49-F238E27FC236}">
+                <a16:creationId xmlns:a16="http://schemas.microsoft.com/office/drawing/2014/main" id="{DB06DBCE-A55E-4258-A410-8A2BA8414BA6}"/>
+              </a:ext>
+            </a:extLst>
+          </p:cNvPr>
+          <p:cNvPicPr>
+            <a:picLocks noChangeAspect="1"/>
+          </p:cNvPicPr>
+          <p:nvPr/>
+        </p:nvPicPr>
+        <p:blipFill>
+          <a:blip r:embed="rId16" cstate="print">
+            <a:extLst>
+              <a:ext uri="{28A0092B-C50C-407E-A947-70E740481C1C}">
+                <a14:useLocalDpi xmlns:a14="http://schemas.microsoft.com/office/drawing/2010/main" val="0"/>
+              </a:ext>
+            </a:extLst>
+          </a:blip>
+          <a:stretch>
+            <a:fillRect/>
+          </a:stretch>
+        </p:blipFill>
+        <p:spPr>
+          <a:xfrm>
+            <a:off x="2585589" y="1524000"/>
+            <a:ext cx="2747425" cy="2749551"/>
+          </a:xfrm>
+          <a:prstGeom prst="rect">
+            <a:avLst/>
+          </a:prstGeom>
         </p:spPr>
       </p:pic>
     </p:spTree>

--- a/01 intro/Intro to R.pptx
+++ b/01 intro/Intro to R.pptx
@@ -205,7 +205,7 @@
           <a:p>
             <a:fld id="{812D0657-A742-485F-BDE1-BEB6EB503CC3}" type="datetimeFigureOut">
               <a:rPr lang="en-US" smtClean="0"/>
-              <a:t>11-Sep-19</a:t>
+              <a:t>15-Sep-19</a:t>
             </a:fld>
             <a:endParaRPr lang="en-US"/>
           </a:p>
@@ -880,7 +880,7 @@
           <a:p>
             <a:fld id="{724D7E03-B28D-4556-8755-90890B69E9FD}" type="datetimeFigureOut">
               <a:rPr lang="en-US" smtClean="0"/>
-              <a:t>11-Sep-19</a:t>
+              <a:t>15-Sep-19</a:t>
             </a:fld>
             <a:endParaRPr lang="en-US"/>
           </a:p>
@@ -1078,7 +1078,7 @@
           <a:p>
             <a:fld id="{724D7E03-B28D-4556-8755-90890B69E9FD}" type="datetimeFigureOut">
               <a:rPr lang="en-US" smtClean="0"/>
-              <a:t>11-Sep-19</a:t>
+              <a:t>15-Sep-19</a:t>
             </a:fld>
             <a:endParaRPr lang="en-US"/>
           </a:p>
@@ -1286,7 +1286,7 @@
           <a:p>
             <a:fld id="{724D7E03-B28D-4556-8755-90890B69E9FD}" type="datetimeFigureOut">
               <a:rPr lang="en-US" smtClean="0"/>
-              <a:t>11-Sep-19</a:t>
+              <a:t>15-Sep-19</a:t>
             </a:fld>
             <a:endParaRPr lang="en-US"/>
           </a:p>
@@ -1484,7 +1484,7 @@
           <a:p>
             <a:fld id="{724D7E03-B28D-4556-8755-90890B69E9FD}" type="datetimeFigureOut">
               <a:rPr lang="en-US" smtClean="0"/>
-              <a:t>11-Sep-19</a:t>
+              <a:t>15-Sep-19</a:t>
             </a:fld>
             <a:endParaRPr lang="en-US"/>
           </a:p>
@@ -1759,7 +1759,7 @@
           <a:p>
             <a:fld id="{724D7E03-B28D-4556-8755-90890B69E9FD}" type="datetimeFigureOut">
               <a:rPr lang="en-US" smtClean="0"/>
-              <a:t>11-Sep-19</a:t>
+              <a:t>15-Sep-19</a:t>
             </a:fld>
             <a:endParaRPr lang="en-US"/>
           </a:p>
@@ -2024,7 +2024,7 @@
           <a:p>
             <a:fld id="{724D7E03-B28D-4556-8755-90890B69E9FD}" type="datetimeFigureOut">
               <a:rPr lang="en-US" smtClean="0"/>
-              <a:t>11-Sep-19</a:t>
+              <a:t>15-Sep-19</a:t>
             </a:fld>
             <a:endParaRPr lang="en-US"/>
           </a:p>
@@ -2436,7 +2436,7 @@
           <a:p>
             <a:fld id="{724D7E03-B28D-4556-8755-90890B69E9FD}" type="datetimeFigureOut">
               <a:rPr lang="en-US" smtClean="0"/>
-              <a:t>11-Sep-19</a:t>
+              <a:t>15-Sep-19</a:t>
             </a:fld>
             <a:endParaRPr lang="en-US"/>
           </a:p>
@@ -2577,7 +2577,7 @@
           <a:p>
             <a:fld id="{724D7E03-B28D-4556-8755-90890B69E9FD}" type="datetimeFigureOut">
               <a:rPr lang="en-US" smtClean="0"/>
-              <a:t>11-Sep-19</a:t>
+              <a:t>15-Sep-19</a:t>
             </a:fld>
             <a:endParaRPr lang="en-US"/>
           </a:p>
@@ -2690,7 +2690,7 @@
           <a:p>
             <a:fld id="{724D7E03-B28D-4556-8755-90890B69E9FD}" type="datetimeFigureOut">
               <a:rPr lang="en-US" smtClean="0"/>
-              <a:t>11-Sep-19</a:t>
+              <a:t>15-Sep-19</a:t>
             </a:fld>
             <a:endParaRPr lang="en-US"/>
           </a:p>
@@ -3001,7 +3001,7 @@
           <a:p>
             <a:fld id="{724D7E03-B28D-4556-8755-90890B69E9FD}" type="datetimeFigureOut">
               <a:rPr lang="en-US" smtClean="0"/>
-              <a:t>11-Sep-19</a:t>
+              <a:t>15-Sep-19</a:t>
             </a:fld>
             <a:endParaRPr lang="en-US"/>
           </a:p>
@@ -3289,7 +3289,7 @@
           <a:p>
             <a:fld id="{724D7E03-B28D-4556-8755-90890B69E9FD}" type="datetimeFigureOut">
               <a:rPr lang="en-US" smtClean="0"/>
-              <a:t>11-Sep-19</a:t>
+              <a:t>15-Sep-19</a:t>
             </a:fld>
             <a:endParaRPr lang="en-US"/>
           </a:p>
@@ -3530,7 +3530,7 @@
           <a:p>
             <a:fld id="{724D7E03-B28D-4556-8755-90890B69E9FD}" type="datetimeFigureOut">
               <a:rPr lang="en-US" smtClean="0"/>
-              <a:t>11-Sep-19</a:t>
+              <a:t>15-Sep-19</a:t>
             </a:fld>
             <a:endParaRPr lang="en-US"/>
           </a:p>
@@ -5646,7 +5646,7 @@
           <a:graphicData uri="http://schemas.openxmlformats.org/presentationml/2006/ole">
             <mc:AlternateContent xmlns:mc="http://schemas.openxmlformats.org/markup-compatibility/2006">
               <mc:Choice xmlns:v="urn:schemas-microsoft-com:vml" Requires="v">
-                <p:oleObj spid="_x0000_s2086" name="Acrobat Document" r:id="rId9" imgW="7286244" imgH="4447895" progId="AcroExch.Document.DC">
+                <p:oleObj spid="_x0000_s2088" name="Acrobat Document" r:id="rId9" imgW="7286244" imgH="4447895" progId="AcroExch.Document.DC">
                   <p:embed/>
                 </p:oleObj>
               </mc:Choice>

--- a/01 intro/Intro to R.pptx
+++ b/01 intro/Intro to R.pptx
@@ -205,7 +205,7 @@
           <a:p>
             <a:fld id="{812D0657-A742-485F-BDE1-BEB6EB503CC3}" type="datetimeFigureOut">
               <a:rPr lang="en-US" smtClean="0"/>
-              <a:t>15-Sep-19</a:t>
+              <a:t>14-Oct-19</a:t>
             </a:fld>
             <a:endParaRPr lang="en-US"/>
           </a:p>
@@ -880,7 +880,7 @@
           <a:p>
             <a:fld id="{724D7E03-B28D-4556-8755-90890B69E9FD}" type="datetimeFigureOut">
               <a:rPr lang="en-US" smtClean="0"/>
-              <a:t>15-Sep-19</a:t>
+              <a:t>14-Oct-19</a:t>
             </a:fld>
             <a:endParaRPr lang="en-US"/>
           </a:p>
@@ -1078,7 +1078,7 @@
           <a:p>
             <a:fld id="{724D7E03-B28D-4556-8755-90890B69E9FD}" type="datetimeFigureOut">
               <a:rPr lang="en-US" smtClean="0"/>
-              <a:t>15-Sep-19</a:t>
+              <a:t>14-Oct-19</a:t>
             </a:fld>
             <a:endParaRPr lang="en-US"/>
           </a:p>
@@ -1286,7 +1286,7 @@
           <a:p>
             <a:fld id="{724D7E03-B28D-4556-8755-90890B69E9FD}" type="datetimeFigureOut">
               <a:rPr lang="en-US" smtClean="0"/>
-              <a:t>15-Sep-19</a:t>
+              <a:t>14-Oct-19</a:t>
             </a:fld>
             <a:endParaRPr lang="en-US"/>
           </a:p>
@@ -1484,7 +1484,7 @@
           <a:p>
             <a:fld id="{724D7E03-B28D-4556-8755-90890B69E9FD}" type="datetimeFigureOut">
               <a:rPr lang="en-US" smtClean="0"/>
-              <a:t>15-Sep-19</a:t>
+              <a:t>14-Oct-19</a:t>
             </a:fld>
             <a:endParaRPr lang="en-US"/>
           </a:p>
@@ -1759,7 +1759,7 @@
           <a:p>
             <a:fld id="{724D7E03-B28D-4556-8755-90890B69E9FD}" type="datetimeFigureOut">
               <a:rPr lang="en-US" smtClean="0"/>
-              <a:t>15-Sep-19</a:t>
+              <a:t>14-Oct-19</a:t>
             </a:fld>
             <a:endParaRPr lang="en-US"/>
           </a:p>
@@ -2024,7 +2024,7 @@
           <a:p>
             <a:fld id="{724D7E03-B28D-4556-8755-90890B69E9FD}" type="datetimeFigureOut">
               <a:rPr lang="en-US" smtClean="0"/>
-              <a:t>15-Sep-19</a:t>
+              <a:t>14-Oct-19</a:t>
             </a:fld>
             <a:endParaRPr lang="en-US"/>
           </a:p>
@@ -2436,7 +2436,7 @@
           <a:p>
             <a:fld id="{724D7E03-B28D-4556-8755-90890B69E9FD}" type="datetimeFigureOut">
               <a:rPr lang="en-US" smtClean="0"/>
-              <a:t>15-Sep-19</a:t>
+              <a:t>14-Oct-19</a:t>
             </a:fld>
             <a:endParaRPr lang="en-US"/>
           </a:p>
@@ -2577,7 +2577,7 @@
           <a:p>
             <a:fld id="{724D7E03-B28D-4556-8755-90890B69E9FD}" type="datetimeFigureOut">
               <a:rPr lang="en-US" smtClean="0"/>
-              <a:t>15-Sep-19</a:t>
+              <a:t>14-Oct-19</a:t>
             </a:fld>
             <a:endParaRPr lang="en-US"/>
           </a:p>
@@ -2690,7 +2690,7 @@
           <a:p>
             <a:fld id="{724D7E03-B28D-4556-8755-90890B69E9FD}" type="datetimeFigureOut">
               <a:rPr lang="en-US" smtClean="0"/>
-              <a:t>15-Sep-19</a:t>
+              <a:t>14-Oct-19</a:t>
             </a:fld>
             <a:endParaRPr lang="en-US"/>
           </a:p>
@@ -3001,7 +3001,7 @@
           <a:p>
             <a:fld id="{724D7E03-B28D-4556-8755-90890B69E9FD}" type="datetimeFigureOut">
               <a:rPr lang="en-US" smtClean="0"/>
-              <a:t>15-Sep-19</a:t>
+              <a:t>14-Oct-19</a:t>
             </a:fld>
             <a:endParaRPr lang="en-US"/>
           </a:p>
@@ -3289,7 +3289,7 @@
           <a:p>
             <a:fld id="{724D7E03-B28D-4556-8755-90890B69E9FD}" type="datetimeFigureOut">
               <a:rPr lang="en-US" smtClean="0"/>
-              <a:t>15-Sep-19</a:t>
+              <a:t>14-Oct-19</a:t>
             </a:fld>
             <a:endParaRPr lang="en-US"/>
           </a:p>
@@ -3530,7 +3530,7 @@
           <a:p>
             <a:fld id="{724D7E03-B28D-4556-8755-90890B69E9FD}" type="datetimeFigureOut">
               <a:rPr lang="en-US" smtClean="0"/>
-              <a:t>15-Sep-19</a:t>
+              <a:t>14-Oct-19</a:t>
             </a:fld>
             <a:endParaRPr lang="en-US"/>
           </a:p>
@@ -5097,7 +5097,7 @@
         <p:spPr/>
         <p:txBody>
           <a:bodyPr>
-            <a:normAutofit lnSpcReduction="10000"/>
+            <a:normAutofit fontScale="92500"/>
           </a:bodyPr>
           <a:lstStyle/>
           <a:p>
@@ -5125,7 +5125,14 @@
             </a:r>
             <a:r>
               <a:rPr lang="en-US" dirty="0"/>
-              <a:t> your data with all the familiar (and new!) stats model.</a:t>
+              <a:t> your data with all the familiar (and</a:t>
+            </a:r>
+            <a:br>
+              <a:rPr lang="en-US" dirty="0"/>
+            </a:br>
+            <a:r>
+              <a:rPr lang="en-US" dirty="0"/>
+              <a:t>new!) stats model.</a:t>
             </a:r>
           </a:p>
           <a:p>
@@ -5212,6 +5219,118 @@
           </a:p>
         </p:txBody>
       </p:sp>
+      <p:pic>
+        <p:nvPicPr>
+          <p:cNvPr id="3074" name="Picture 2">
+            <a:extLst>
+              <a:ext uri="{FF2B5EF4-FFF2-40B4-BE49-F238E27FC236}">
+                <a16:creationId xmlns:a16="http://schemas.microsoft.com/office/drawing/2014/main" id="{AD846D37-90DC-48EC-86B8-D9BA78A5B858}"/>
+              </a:ext>
+            </a:extLst>
+          </p:cNvPr>
+          <p:cNvPicPr>
+            <a:picLocks noChangeAspect="1" noChangeArrowheads="1"/>
+          </p:cNvPicPr>
+          <p:nvPr/>
+        </p:nvPicPr>
+        <p:blipFill>
+          <a:blip r:embed="rId2">
+            <a:extLst>
+              <a:ext uri="{28A0092B-C50C-407E-A947-70E740481C1C}">
+                <a14:useLocalDpi xmlns:a14="http://schemas.microsoft.com/office/drawing/2010/main" val="0"/>
+              </a:ext>
+            </a:extLst>
+          </a:blip>
+          <a:srcRect/>
+          <a:stretch>
+            <a:fillRect/>
+          </a:stretch>
+        </p:blipFill>
+        <p:spPr bwMode="auto">
+          <a:xfrm>
+            <a:off x="6729045" y="1825625"/>
+            <a:ext cx="5326935" cy="2739155"/>
+          </a:xfrm>
+          <a:prstGeom prst="rect">
+            <a:avLst/>
+          </a:prstGeom>
+          <a:noFill/>
+          <a:extLst>
+            <a:ext uri="{909E8E84-426E-40DD-AFC4-6F175D3DCCD1}">
+              <a14:hiddenFill xmlns:a14="http://schemas.microsoft.com/office/drawing/2010/main">
+                <a:solidFill>
+                  <a:srgbClr val="FFFFFF"/>
+                </a:solidFill>
+              </a14:hiddenFill>
+            </a:ext>
+          </a:extLst>
+        </p:spPr>
+      </p:pic>
+      <p:pic>
+        <p:nvPicPr>
+          <p:cNvPr id="3076" name="Picture 4" descr="Image result for circling mark">
+            <a:extLst>
+              <a:ext uri="{FF2B5EF4-FFF2-40B4-BE49-F238E27FC236}">
+                <a16:creationId xmlns:a16="http://schemas.microsoft.com/office/drawing/2014/main" id="{6D07C281-9CFA-4741-818C-281AAB6845B7}"/>
+              </a:ext>
+            </a:extLst>
+          </p:cNvPr>
+          <p:cNvPicPr>
+            <a:picLocks noChangeAspect="1" noChangeArrowheads="1"/>
+          </p:cNvPicPr>
+          <p:nvPr/>
+        </p:nvPicPr>
+        <p:blipFill>
+          <a:blip r:embed="rId3">
+            <a:clrChange>
+              <a:clrFrom>
+                <a:srgbClr val="FFFFFF"/>
+              </a:clrFrom>
+              <a:clrTo>
+                <a:srgbClr val="FFFFFF">
+                  <a:alpha val="0"/>
+                </a:srgbClr>
+              </a:clrTo>
+            </a:clrChange>
+            <a:duotone>
+              <a:schemeClr val="accent6">
+                <a:shade val="45000"/>
+                <a:satMod val="135000"/>
+              </a:schemeClr>
+              <a:prstClr val="white"/>
+            </a:duotone>
+            <a:alphaModFix amt="85000"/>
+            <a:extLst>
+              <a:ext uri="{28A0092B-C50C-407E-A947-70E740481C1C}">
+                <a14:useLocalDpi xmlns:a14="http://schemas.microsoft.com/office/drawing/2010/main" val="0"/>
+              </a:ext>
+            </a:extLst>
+          </a:blip>
+          <a:srcRect/>
+          <a:stretch>
+            <a:fillRect/>
+          </a:stretch>
+        </p:blipFill>
+        <p:spPr bwMode="auto">
+          <a:xfrm>
+            <a:off x="7652084" y="2719137"/>
+            <a:ext cx="2481204" cy="1301878"/>
+          </a:xfrm>
+          <a:prstGeom prst="rect">
+            <a:avLst/>
+          </a:prstGeom>
+          <a:noFill/>
+          <a:extLst>
+            <a:ext uri="{909E8E84-426E-40DD-AFC4-6F175D3DCCD1}">
+              <a14:hiddenFill xmlns:a14="http://schemas.microsoft.com/office/drawing/2010/main">
+                <a:solidFill>
+                  <a:srgbClr val="FFFFFF"/>
+                </a:solidFill>
+              </a14:hiddenFill>
+            </a:ext>
+          </a:extLst>
+        </p:spPr>
+      </p:pic>
     </p:spTree>
     <p:extLst>
       <p:ext uri="{BB962C8B-B14F-4D97-AF65-F5344CB8AC3E}">
@@ -5366,6 +5485,69 @@
                                   </p:childTnLst>
                                 </p:cTn>
                               </p:par>
+                              <p:par>
+                                <p:cTn id="13" presetID="1" presetClass="entr" presetSubtype="0" fill="hold" nodeType="withEffect">
+                                  <p:stCondLst>
+                                    <p:cond delay="0"/>
+                                  </p:stCondLst>
+                                  <p:childTnLst>
+                                    <p:set>
+                                      <p:cBhvr>
+                                        <p:cTn id="14" dur="1" fill="hold">
+                                          <p:stCondLst>
+                                            <p:cond delay="0"/>
+                                          </p:stCondLst>
+                                        </p:cTn>
+                                        <p:tgtEl>
+                                          <p:spTgt spid="3074"/>
+                                        </p:tgtEl>
+                                        <p:attrNameLst>
+                                          <p:attrName>style.visibility</p:attrName>
+                                        </p:attrNameLst>
+                                      </p:cBhvr>
+                                      <p:to>
+                                        <p:strVal val="visible"/>
+                                      </p:to>
+                                    </p:set>
+                                  </p:childTnLst>
+                                </p:cTn>
+                              </p:par>
+                            </p:childTnLst>
+                          </p:cTn>
+                        </p:par>
+                        <p:par>
+                          <p:cTn id="15" fill="hold">
+                            <p:stCondLst>
+                              <p:cond delay="0"/>
+                            </p:stCondLst>
+                            <p:childTnLst>
+                              <p:par>
+                                <p:cTn id="16" presetID="1" presetClass="entr" presetSubtype="0" fill="hold" nodeType="afterEffect">
+                                  <p:stCondLst>
+                                    <p:cond delay="1000"/>
+                                  </p:stCondLst>
+                                  <p:childTnLst>
+                                    <p:set>
+                                      <p:cBhvr>
+                                        <p:cTn id="17" dur="1" fill="hold">
+                                          <p:stCondLst>
+                                            <p:cond delay="0"/>
+                                          </p:stCondLst>
+                                        </p:cTn>
+                                        <p:tgtEl>
+                                          <p:spTgt spid="3076"/>
+                                        </p:tgtEl>
+                                        <p:attrNameLst>
+                                          <p:attrName>style.visibility</p:attrName>
+                                        </p:attrNameLst>
+                                      </p:cBhvr>
+                                      <p:to>
+                                        <p:strVal val="visible"/>
+                                      </p:to>
+                                    </p:set>
+                                  </p:childTnLst>
+                                </p:cTn>
+                              </p:par>
                             </p:childTnLst>
                           </p:cTn>
                         </p:par>
@@ -5373,26 +5555,26 @@
                     </p:cTn>
                   </p:par>
                   <p:par>
-                    <p:cTn id="13" fill="hold">
+                    <p:cTn id="18" fill="hold">
                       <p:stCondLst>
                         <p:cond delay="indefinite"/>
                       </p:stCondLst>
                       <p:childTnLst>
                         <p:par>
-                          <p:cTn id="14" fill="hold">
+                          <p:cTn id="19" fill="hold">
                             <p:stCondLst>
                               <p:cond delay="0"/>
                             </p:stCondLst>
                             <p:childTnLst>
                               <p:par>
-                                <p:cTn id="15" presetID="1" presetClass="entr" presetSubtype="0" fill="hold" nodeType="clickEffect">
+                                <p:cTn id="20" presetID="1" presetClass="entr" presetSubtype="0" fill="hold" nodeType="clickEffect">
                                   <p:stCondLst>
                                     <p:cond delay="0"/>
                                   </p:stCondLst>
                                   <p:childTnLst>
                                     <p:set>
                                       <p:cBhvr>
-                                        <p:cTn id="16" dur="1" fill="hold">
+                                        <p:cTn id="21" dur="1" fill="hold">
                                           <p:stCondLst>
                                             <p:cond delay="0"/>
                                           </p:stCondLst>
@@ -5646,7 +5828,7 @@
           <a:graphicData uri="http://schemas.openxmlformats.org/presentationml/2006/ole">
             <mc:AlternateContent xmlns:mc="http://schemas.openxmlformats.org/markup-compatibility/2006">
               <mc:Choice xmlns:v="urn:schemas-microsoft-com:vml" Requires="v">
-                <p:oleObj spid="_x0000_s2088" name="Acrobat Document" r:id="rId9" imgW="7286244" imgH="4447895" progId="AcroExch.Document.DC">
+                <p:oleObj spid="_x0000_s2092" name="Acrobat Document" r:id="rId9" imgW="7286244" imgH="4447895" progId="AcroExch.Document.DC">
                   <p:embed/>
                 </p:oleObj>
               </mc:Choice>
@@ -6464,6 +6646,66 @@
           </a:extLst>
         </p:spPr>
       </p:pic>
+      <p:pic>
+        <p:nvPicPr>
+          <p:cNvPr id="6" name="Picture 5">
+            <a:extLst>
+              <a:ext uri="{FF2B5EF4-FFF2-40B4-BE49-F238E27FC236}">
+                <a16:creationId xmlns:a16="http://schemas.microsoft.com/office/drawing/2014/main" id="{78B28DB1-6C8A-4D54-BCB5-472AACE0C0D7}"/>
+              </a:ext>
+            </a:extLst>
+          </p:cNvPr>
+          <p:cNvPicPr>
+            <a:picLocks noChangeAspect="1"/>
+          </p:cNvPicPr>
+          <p:nvPr/>
+        </p:nvPicPr>
+        <p:blipFill>
+          <a:blip r:embed="rId12"/>
+          <a:stretch>
+            <a:fillRect/>
+          </a:stretch>
+        </p:blipFill>
+        <p:spPr>
+          <a:xfrm>
+            <a:off x="3314312" y="1671392"/>
+            <a:ext cx="5563376" cy="3515216"/>
+          </a:xfrm>
+          <a:prstGeom prst="rect">
+            <a:avLst/>
+          </a:prstGeom>
+          <a:solidFill>
+            <a:srgbClr val="FFFFFF">
+              <a:shade val="85000"/>
+            </a:srgbClr>
+          </a:solidFill>
+          <a:ln w="88900" cap="sq">
+            <a:solidFill>
+              <a:srgbClr val="FFFFFF"/>
+            </a:solidFill>
+            <a:miter lim="800000"/>
+          </a:ln>
+          <a:effectLst>
+            <a:outerShdw blurRad="55000" dist="18000" dir="5400000" algn="tl" rotWithShape="0">
+              <a:srgbClr val="000000">
+                <a:alpha val="40000"/>
+              </a:srgbClr>
+            </a:outerShdw>
+          </a:effectLst>
+          <a:scene3d>
+            <a:camera prst="orthographicFront"/>
+            <a:lightRig rig="twoPt" dir="t">
+              <a:rot lat="0" lon="0" rev="7200000"/>
+            </a:lightRig>
+          </a:scene3d>
+          <a:sp3d>
+            <a:bevelT w="25400" h="19050"/>
+            <a:contourClr>
+              <a:srgbClr val="FFFFFF"/>
+            </a:contourClr>
+          </a:sp3d>
+        </p:spPr>
+      </p:pic>
     </p:spTree>
     <p:extLst>
       <p:ext uri="{BB962C8B-B14F-4D97-AF65-F5344CB8AC3E}">
@@ -6474,6 +6716,81 @@
   <p:clrMapOvr>
     <a:masterClrMapping/>
   </p:clrMapOvr>
+  <p:timing>
+    <p:tnLst>
+      <p:par>
+        <p:cTn id="1" dur="indefinite" restart="never" nodeType="tmRoot">
+          <p:childTnLst>
+            <p:seq concurrent="1" nextAc="seek">
+              <p:cTn id="2" dur="indefinite" nodeType="mainSeq">
+                <p:childTnLst>
+                  <p:par>
+                    <p:cTn id="3" fill="hold">
+                      <p:stCondLst>
+                        <p:cond delay="indefinite"/>
+                      </p:stCondLst>
+                      <p:childTnLst>
+                        <p:par>
+                          <p:cTn id="4" fill="hold">
+                            <p:stCondLst>
+                              <p:cond delay="0"/>
+                            </p:stCondLst>
+                            <p:childTnLst>
+                              <p:par>
+                                <p:cTn id="5" presetID="1" presetClass="entr" presetSubtype="0" fill="hold" nodeType="clickEffect">
+                                  <p:stCondLst>
+                                    <p:cond delay="0"/>
+                                  </p:stCondLst>
+                                  <p:childTnLst>
+                                    <p:set>
+                                      <p:cBhvr>
+                                        <p:cTn id="6" dur="1" fill="hold">
+                                          <p:stCondLst>
+                                            <p:cond delay="0"/>
+                                          </p:stCondLst>
+                                        </p:cTn>
+                                        <p:tgtEl>
+                                          <p:spTgt spid="6"/>
+                                        </p:tgtEl>
+                                        <p:attrNameLst>
+                                          <p:attrName>style.visibility</p:attrName>
+                                        </p:attrNameLst>
+                                      </p:cBhvr>
+                                      <p:to>
+                                        <p:strVal val="visible"/>
+                                      </p:to>
+                                    </p:set>
+                                  </p:childTnLst>
+                                </p:cTn>
+                              </p:par>
+                            </p:childTnLst>
+                          </p:cTn>
+                        </p:par>
+                      </p:childTnLst>
+                    </p:cTn>
+                  </p:par>
+                </p:childTnLst>
+              </p:cTn>
+              <p:prevCondLst>
+                <p:cond evt="onPrev" delay="0">
+                  <p:tgtEl>
+                    <p:sldTgt/>
+                  </p:tgtEl>
+                </p:cond>
+              </p:prevCondLst>
+              <p:nextCondLst>
+                <p:cond evt="onNext" delay="0">
+                  <p:tgtEl>
+                    <p:sldTgt/>
+                  </p:tgtEl>
+                </p:cond>
+              </p:nextCondLst>
+            </p:seq>
+          </p:childTnLst>
+        </p:cTn>
+      </p:par>
+    </p:tnLst>
+  </p:timing>
 </p:sld>
 </file>
 

--- a/01 intro/Intro to R.pptx
+++ b/01 intro/Intro to R.pptx
@@ -205,7 +205,7 @@
           <a:p>
             <a:fld id="{812D0657-A742-485F-BDE1-BEB6EB503CC3}" type="datetimeFigureOut">
               <a:rPr lang="en-US" smtClean="0"/>
-              <a:t>14-Oct-19</a:t>
+              <a:t>24-Oct-19</a:t>
             </a:fld>
             <a:endParaRPr lang="en-US"/>
           </a:p>
@@ -609,6 +609,107 @@
           <a:bodyPr/>
           <a:lstStyle/>
           <a:p>
+            <a:r>
+              <a:rPr lang="en-US" dirty="0"/>
+              <a:t>It’s really not </a:t>
+            </a:r>
+            <a:r>
+              <a:rPr lang="en-US"/>
+              <a:t>that bad… </a:t>
+            </a:r>
+            <a:r>
+              <a:rPr lang="en-US">
+                <a:hlinkClick r:id="rId3"/>
+              </a:rPr>
+              <a:t>https://psyarxiv.com/76w2p</a:t>
+            </a:r>
+            <a:r>
+              <a:rPr lang="en-US"/>
+              <a:t>...</a:t>
+            </a:r>
+          </a:p>
+        </p:txBody>
+      </p:sp>
+      <p:sp>
+        <p:nvSpPr>
+          <p:cNvPr id="4" name="Slide Number Placeholder 3"/>
+          <p:cNvSpPr>
+            <a:spLocks noGrp="1"/>
+          </p:cNvSpPr>
+          <p:nvPr>
+            <p:ph type="sldNum" sz="quarter" idx="5"/>
+          </p:nvPr>
+        </p:nvSpPr>
+        <p:spPr/>
+        <p:txBody>
+          <a:bodyPr/>
+          <a:lstStyle/>
+          <a:p>
+            <a:fld id="{02B24FE6-79AF-4F7B-AB80-96202CAB685C}" type="slidenum">
+              <a:rPr lang="en-US" smtClean="0"/>
+              <a:t>5</a:t>
+            </a:fld>
+            <a:endParaRPr lang="en-US"/>
+          </a:p>
+        </p:txBody>
+      </p:sp>
+    </p:spTree>
+    <p:extLst>
+      <p:ext uri="{BB962C8B-B14F-4D97-AF65-F5344CB8AC3E}">
+        <p14:creationId xmlns:p14="http://schemas.microsoft.com/office/powerpoint/2010/main" val="2806375459"/>
+      </p:ext>
+    </p:extLst>
+  </p:cSld>
+  <p:clrMapOvr>
+    <a:masterClrMapping/>
+  </p:clrMapOvr>
+</p:notes>
+</file>
+
+<file path=ppt/notesSlides/notesSlide3.xml><?xml version="1.0" encoding="utf-8"?>
+<p:notes xmlns:a="http://schemas.openxmlformats.org/drawingml/2006/main" xmlns:r="http://schemas.openxmlformats.org/officeDocument/2006/relationships" xmlns:p="http://schemas.openxmlformats.org/presentationml/2006/main">
+  <p:cSld>
+    <p:spTree>
+      <p:nvGrpSpPr>
+        <p:cNvPr id="1" name=""/>
+        <p:cNvGrpSpPr/>
+        <p:nvPr/>
+      </p:nvGrpSpPr>
+      <p:grpSpPr>
+        <a:xfrm>
+          <a:off x="0" y="0"/>
+          <a:ext cx="0" cy="0"/>
+          <a:chOff x="0" y="0"/>
+          <a:chExt cx="0" cy="0"/>
+        </a:xfrm>
+      </p:grpSpPr>
+      <p:sp>
+        <p:nvSpPr>
+          <p:cNvPr id="2" name="Slide Image Placeholder 1"/>
+          <p:cNvSpPr>
+            <a:spLocks noGrp="1" noRot="1" noChangeAspect="1"/>
+          </p:cNvSpPr>
+          <p:nvPr>
+            <p:ph type="sldImg"/>
+          </p:nvPr>
+        </p:nvSpPr>
+        <p:spPr/>
+      </p:sp>
+      <p:sp>
+        <p:nvSpPr>
+          <p:cNvPr id="3" name="Notes Placeholder 2"/>
+          <p:cNvSpPr>
+            <a:spLocks noGrp="1"/>
+          </p:cNvSpPr>
+          <p:nvPr>
+            <p:ph type="body" idx="1"/>
+          </p:nvPr>
+        </p:nvSpPr>
+        <p:spPr/>
+        <p:txBody>
+          <a:bodyPr/>
+          <a:lstStyle/>
+          <a:p>
             <a:endParaRPr lang="en-US" dirty="0"/>
           </a:p>
         </p:txBody>
@@ -649,7 +750,7 @@
 </p:notes>
 </file>
 
-<file path=ppt/notesSlides/notesSlide3.xml><?xml version="1.0" encoding="utf-8"?>
+<file path=ppt/notesSlides/notesSlide4.xml><?xml version="1.0" encoding="utf-8"?>
 <p:notes xmlns:a="http://schemas.openxmlformats.org/drawingml/2006/main" xmlns:r="http://schemas.openxmlformats.org/officeDocument/2006/relationships" xmlns:p="http://schemas.openxmlformats.org/presentationml/2006/main">
   <p:cSld>
     <p:spTree>
@@ -880,7 +981,7 @@
           <a:p>
             <a:fld id="{724D7E03-B28D-4556-8755-90890B69E9FD}" type="datetimeFigureOut">
               <a:rPr lang="en-US" smtClean="0"/>
-              <a:t>14-Oct-19</a:t>
+              <a:t>24-Oct-19</a:t>
             </a:fld>
             <a:endParaRPr lang="en-US"/>
           </a:p>
@@ -1078,7 +1179,7 @@
           <a:p>
             <a:fld id="{724D7E03-B28D-4556-8755-90890B69E9FD}" type="datetimeFigureOut">
               <a:rPr lang="en-US" smtClean="0"/>
-              <a:t>14-Oct-19</a:t>
+              <a:t>24-Oct-19</a:t>
             </a:fld>
             <a:endParaRPr lang="en-US"/>
           </a:p>
@@ -1286,7 +1387,7 @@
           <a:p>
             <a:fld id="{724D7E03-B28D-4556-8755-90890B69E9FD}" type="datetimeFigureOut">
               <a:rPr lang="en-US" smtClean="0"/>
-              <a:t>14-Oct-19</a:t>
+              <a:t>24-Oct-19</a:t>
             </a:fld>
             <a:endParaRPr lang="en-US"/>
           </a:p>
@@ -1484,7 +1585,7 @@
           <a:p>
             <a:fld id="{724D7E03-B28D-4556-8755-90890B69E9FD}" type="datetimeFigureOut">
               <a:rPr lang="en-US" smtClean="0"/>
-              <a:t>14-Oct-19</a:t>
+              <a:t>24-Oct-19</a:t>
             </a:fld>
             <a:endParaRPr lang="en-US"/>
           </a:p>
@@ -1759,7 +1860,7 @@
           <a:p>
             <a:fld id="{724D7E03-B28D-4556-8755-90890B69E9FD}" type="datetimeFigureOut">
               <a:rPr lang="en-US" smtClean="0"/>
-              <a:t>14-Oct-19</a:t>
+              <a:t>24-Oct-19</a:t>
             </a:fld>
             <a:endParaRPr lang="en-US"/>
           </a:p>
@@ -2024,7 +2125,7 @@
           <a:p>
             <a:fld id="{724D7E03-B28D-4556-8755-90890B69E9FD}" type="datetimeFigureOut">
               <a:rPr lang="en-US" smtClean="0"/>
-              <a:t>14-Oct-19</a:t>
+              <a:t>24-Oct-19</a:t>
             </a:fld>
             <a:endParaRPr lang="en-US"/>
           </a:p>
@@ -2436,7 +2537,7 @@
           <a:p>
             <a:fld id="{724D7E03-B28D-4556-8755-90890B69E9FD}" type="datetimeFigureOut">
               <a:rPr lang="en-US" smtClean="0"/>
-              <a:t>14-Oct-19</a:t>
+              <a:t>24-Oct-19</a:t>
             </a:fld>
             <a:endParaRPr lang="en-US"/>
           </a:p>
@@ -2577,7 +2678,7 @@
           <a:p>
             <a:fld id="{724D7E03-B28D-4556-8755-90890B69E9FD}" type="datetimeFigureOut">
               <a:rPr lang="en-US" smtClean="0"/>
-              <a:t>14-Oct-19</a:t>
+              <a:t>24-Oct-19</a:t>
             </a:fld>
             <a:endParaRPr lang="en-US"/>
           </a:p>
@@ -2690,7 +2791,7 @@
           <a:p>
             <a:fld id="{724D7E03-B28D-4556-8755-90890B69E9FD}" type="datetimeFigureOut">
               <a:rPr lang="en-US" smtClean="0"/>
-              <a:t>14-Oct-19</a:t>
+              <a:t>24-Oct-19</a:t>
             </a:fld>
             <a:endParaRPr lang="en-US"/>
           </a:p>
@@ -3001,7 +3102,7 @@
           <a:p>
             <a:fld id="{724D7E03-B28D-4556-8755-90890B69E9FD}" type="datetimeFigureOut">
               <a:rPr lang="en-US" smtClean="0"/>
-              <a:t>14-Oct-19</a:t>
+              <a:t>24-Oct-19</a:t>
             </a:fld>
             <a:endParaRPr lang="en-US"/>
           </a:p>
@@ -3289,7 +3390,7 @@
           <a:p>
             <a:fld id="{724D7E03-B28D-4556-8755-90890B69E9FD}" type="datetimeFigureOut">
               <a:rPr lang="en-US" smtClean="0"/>
-              <a:t>14-Oct-19</a:t>
+              <a:t>24-Oct-19</a:t>
             </a:fld>
             <a:endParaRPr lang="en-US"/>
           </a:p>
@@ -3530,7 +3631,7 @@
           <a:p>
             <a:fld id="{724D7E03-B28D-4556-8755-90890B69E9FD}" type="datetimeFigureOut">
               <a:rPr lang="en-US" smtClean="0"/>
-              <a:t>14-Oct-19</a:t>
+              <a:t>24-Oct-19</a:t>
             </a:fld>
             <a:endParaRPr lang="en-US"/>
           </a:p>
@@ -5234,7 +5335,7 @@
           <p:nvPr/>
         </p:nvPicPr>
         <p:blipFill>
-          <a:blip r:embed="rId2">
+          <a:blip r:embed="rId3">
             <a:extLst>
               <a:ext uri="{28A0092B-C50C-407E-A947-70E740481C1C}">
                 <a14:useLocalDpi xmlns:a14="http://schemas.microsoft.com/office/drawing/2010/main" val="0"/>
@@ -5281,7 +5382,7 @@
           <p:nvPr/>
         </p:nvPicPr>
         <p:blipFill>
-          <a:blip r:embed="rId3">
+          <a:blip r:embed="rId4">
             <a:clrChange>
               <a:clrFrom>
                 <a:srgbClr val="FFFFFF"/>
@@ -5828,7 +5929,7 @@
           <a:graphicData uri="http://schemas.openxmlformats.org/presentationml/2006/ole">
             <mc:AlternateContent xmlns:mc="http://schemas.openxmlformats.org/markup-compatibility/2006">
               <mc:Choice xmlns:v="urn:schemas-microsoft-com:vml" Requires="v">
-                <p:oleObj spid="_x0000_s2092" name="Acrobat Document" r:id="rId9" imgW="7286244" imgH="4447895" progId="AcroExch.Document.DC">
+                <p:oleObj spid="_x0000_s2093" name="Acrobat Document" r:id="rId9" imgW="7286244" imgH="4447895" progId="AcroExch.Document.DC">
                   <p:embed/>
                 </p:oleObj>
               </mc:Choice>
